--- a/instructions/instructions_test.pptx
+++ b/instructions/instructions_test.pptx
@@ -20,7 +20,8 @@
     <p:sldId id="289" r:id="rId14"/>
     <p:sldId id="267" r:id="rId15"/>
     <p:sldId id="293" r:id="rId16"/>
-    <p:sldId id="294" r:id="rId17"/>
+    <p:sldId id="295" r:id="rId17"/>
+    <p:sldId id="294" r:id="rId18"/>
   </p:sldIdLst>
   <p:sldSz cx="12192000" cy="6858000"/>
   <p:notesSz cx="6858000" cy="9144000"/>
@@ -287,7 +288,7 @@
           <a:p>
             <a:fld id="{EECEF7B1-0EC4-480B-8296-E359CC2E77EE}" type="datetimeFigureOut">
               <a:rPr lang="he-IL" smtClean="0"/>
-              <a:t>ב'/טבת/תשפ"ב</a:t>
+              <a:t>כ"ד/טבת/תשפ"ב</a:t>
             </a:fld>
             <a:endParaRPr lang="he-IL"/>
           </a:p>
@@ -487,7 +488,7 @@
           <a:p>
             <a:fld id="{EECEF7B1-0EC4-480B-8296-E359CC2E77EE}" type="datetimeFigureOut">
               <a:rPr lang="he-IL" smtClean="0"/>
-              <a:t>ב'/טבת/תשפ"ב</a:t>
+              <a:t>כ"ד/טבת/תשפ"ב</a:t>
             </a:fld>
             <a:endParaRPr lang="he-IL"/>
           </a:p>
@@ -697,7 +698,7 @@
           <a:p>
             <a:fld id="{EECEF7B1-0EC4-480B-8296-E359CC2E77EE}" type="datetimeFigureOut">
               <a:rPr lang="he-IL" smtClean="0"/>
-              <a:t>ב'/טבת/תשפ"ב</a:t>
+              <a:t>כ"ד/טבת/תשפ"ב</a:t>
             </a:fld>
             <a:endParaRPr lang="he-IL"/>
           </a:p>
@@ -897,7 +898,7 @@
           <a:p>
             <a:fld id="{EECEF7B1-0EC4-480B-8296-E359CC2E77EE}" type="datetimeFigureOut">
               <a:rPr lang="he-IL" smtClean="0"/>
-              <a:t>ב'/טבת/תשפ"ב</a:t>
+              <a:t>כ"ד/טבת/תשפ"ב</a:t>
             </a:fld>
             <a:endParaRPr lang="he-IL"/>
           </a:p>
@@ -1173,7 +1174,7 @@
           <a:p>
             <a:fld id="{EECEF7B1-0EC4-480B-8296-E359CC2E77EE}" type="datetimeFigureOut">
               <a:rPr lang="he-IL" smtClean="0"/>
-              <a:t>ב'/טבת/תשפ"ב</a:t>
+              <a:t>כ"ד/טבת/תשפ"ב</a:t>
             </a:fld>
             <a:endParaRPr lang="he-IL"/>
           </a:p>
@@ -1441,7 +1442,7 @@
           <a:p>
             <a:fld id="{EECEF7B1-0EC4-480B-8296-E359CC2E77EE}" type="datetimeFigureOut">
               <a:rPr lang="he-IL" smtClean="0"/>
-              <a:t>ב'/טבת/תשפ"ב</a:t>
+              <a:t>כ"ד/טבת/תשפ"ב</a:t>
             </a:fld>
             <a:endParaRPr lang="he-IL"/>
           </a:p>
@@ -1856,7 +1857,7 @@
           <a:p>
             <a:fld id="{EECEF7B1-0EC4-480B-8296-E359CC2E77EE}" type="datetimeFigureOut">
               <a:rPr lang="he-IL" smtClean="0"/>
-              <a:t>ב'/טבת/תשפ"ב</a:t>
+              <a:t>כ"ד/טבת/תשפ"ב</a:t>
             </a:fld>
             <a:endParaRPr lang="he-IL"/>
           </a:p>
@@ -1998,7 +1999,7 @@
           <a:p>
             <a:fld id="{EECEF7B1-0EC4-480B-8296-E359CC2E77EE}" type="datetimeFigureOut">
               <a:rPr lang="he-IL" smtClean="0"/>
-              <a:t>ב'/טבת/תשפ"ב</a:t>
+              <a:t>כ"ד/טבת/תשפ"ב</a:t>
             </a:fld>
             <a:endParaRPr lang="he-IL"/>
           </a:p>
@@ -2111,7 +2112,7 @@
           <a:p>
             <a:fld id="{EECEF7B1-0EC4-480B-8296-E359CC2E77EE}" type="datetimeFigureOut">
               <a:rPr lang="he-IL" smtClean="0"/>
-              <a:t>ב'/טבת/תשפ"ב</a:t>
+              <a:t>כ"ד/טבת/תשפ"ב</a:t>
             </a:fld>
             <a:endParaRPr lang="he-IL"/>
           </a:p>
@@ -2424,7 +2425,7 @@
           <a:p>
             <a:fld id="{EECEF7B1-0EC4-480B-8296-E359CC2E77EE}" type="datetimeFigureOut">
               <a:rPr lang="he-IL" smtClean="0"/>
-              <a:t>ב'/טבת/תשפ"ב</a:t>
+              <a:t>כ"ד/טבת/תשפ"ב</a:t>
             </a:fld>
             <a:endParaRPr lang="he-IL"/>
           </a:p>
@@ -2713,7 +2714,7 @@
           <a:p>
             <a:fld id="{EECEF7B1-0EC4-480B-8296-E359CC2E77EE}" type="datetimeFigureOut">
               <a:rPr lang="he-IL" smtClean="0"/>
-              <a:t>ב'/טבת/תשפ"ב</a:t>
+              <a:t>כ"ד/טבת/תשפ"ב</a:t>
             </a:fld>
             <a:endParaRPr lang="he-IL"/>
           </a:p>
@@ -2956,7 +2957,7 @@
           <a:p>
             <a:fld id="{EECEF7B1-0EC4-480B-8296-E359CC2E77EE}" type="datetimeFigureOut">
               <a:rPr lang="he-IL" smtClean="0"/>
-              <a:t>ב'/טבת/תשפ"ב</a:t>
+              <a:t>כ"ד/טבת/תשפ"ב</a:t>
             </a:fld>
             <a:endParaRPr lang="he-IL"/>
           </a:p>
@@ -5145,7 +5146,7 @@
         <p:spPr>
           <a:xfrm>
             <a:off x="902307" y="897"/>
-            <a:ext cx="11030856" cy="3600986"/>
+            <a:ext cx="11030856" cy="2492990"/>
           </a:xfrm>
           <a:prstGeom prst="rect">
             <a:avLst/>
@@ -5204,32 +5205,6 @@
           <a:p>
             <a:pPr algn="r" rtl="1"/>
             <a:endParaRPr lang="he-IL" sz="2000" dirty="0"/>
-          </a:p>
-          <a:p>
-            <a:pPr algn="r" rtl="1"/>
-            <a:r>
-              <a:rPr lang="he-IL" dirty="0"/>
-              <a:t>שאלות?</a:t>
-            </a:r>
-          </a:p>
-          <a:p>
-            <a:pPr algn="r" rtl="1"/>
-            <a:endParaRPr lang="he-IL" dirty="0"/>
-          </a:p>
-          <a:p>
-            <a:pPr algn="r" rtl="1"/>
-            <a:r>
-              <a:rPr lang="he-IL" dirty="0"/>
-              <a:t>תודה רבה,</a:t>
-            </a:r>
-          </a:p>
-          <a:p>
-            <a:pPr algn="r" rtl="1"/>
-            <a:r>
-              <a:rPr lang="he-IL" dirty="0"/>
-              <a:t>צוות המעבדה</a:t>
-            </a:r>
-            <a:endParaRPr lang="en-US" dirty="0"/>
           </a:p>
         </p:txBody>
       </p:sp>
@@ -5817,8 +5792,8 @@
         </p:nvSpPr>
         <p:spPr>
           <a:xfrm>
-            <a:off x="4891313" y="2505670"/>
-            <a:ext cx="2782441" cy="923330"/>
+            <a:off x="3630723" y="2967335"/>
+            <a:ext cx="4930554" cy="923330"/>
           </a:xfrm>
           <a:prstGeom prst="rect">
             <a:avLst/>
@@ -5833,7 +5808,7 @@
             <a:pPr algn="r"/>
             <a:r>
               <a:rPr lang="he-IL" dirty="0"/>
-              <a:t>כעת נתחיל את שלב האימון.</a:t>
+              <a:t>כעת נעשה כמה שאלות כדי לוודא הבנה של המטלה.</a:t>
             </a:r>
           </a:p>
           <a:p>
@@ -5864,6 +5839,83 @@
 </file>
 
 <file path=ppt/slides/slide16.xml><?xml version="1.0" encoding="utf-8"?>
+<p:sld xmlns:a="http://schemas.openxmlformats.org/drawingml/2006/main" xmlns:r="http://schemas.openxmlformats.org/officeDocument/2006/relationships" xmlns:p="http://schemas.openxmlformats.org/presentationml/2006/main">
+  <p:cSld>
+    <p:spTree>
+      <p:nvGrpSpPr>
+        <p:cNvPr id="1" name=""/>
+        <p:cNvGrpSpPr/>
+        <p:nvPr/>
+      </p:nvGrpSpPr>
+      <p:grpSpPr>
+        <a:xfrm>
+          <a:off x="0" y="0"/>
+          <a:ext cx="0" cy="0"/>
+          <a:chOff x="0" y="0"/>
+          <a:chExt cx="0" cy="0"/>
+        </a:xfrm>
+      </p:grpSpPr>
+      <p:sp>
+        <p:nvSpPr>
+          <p:cNvPr id="4" name="Rectangle 3">
+            <a:extLst>
+              <a:ext uri="{FF2B5EF4-FFF2-40B4-BE49-F238E27FC236}">
+                <a16:creationId xmlns:a16="http://schemas.microsoft.com/office/drawing/2014/main" id="{618D9E2E-2C9C-4DF9-A20D-25FBC9E1BE43}"/>
+              </a:ext>
+            </a:extLst>
+          </p:cNvPr>
+          <p:cNvSpPr/>
+          <p:nvPr/>
+        </p:nvSpPr>
+        <p:spPr>
+          <a:xfrm>
+            <a:off x="4891313" y="2505670"/>
+            <a:ext cx="2782441" cy="923330"/>
+          </a:xfrm>
+          <a:prstGeom prst="rect">
+            <a:avLst/>
+          </a:prstGeom>
+        </p:spPr>
+        <p:txBody>
+          <a:bodyPr wrap="square">
+            <a:spAutoFit/>
+          </a:bodyPr>
+          <a:lstStyle/>
+          <a:p>
+            <a:pPr algn="r"/>
+            <a:r>
+              <a:rPr lang="he-IL" dirty="0"/>
+              <a:t>כעת נתחיל את שלב האימון.</a:t>
+            </a:r>
+          </a:p>
+          <a:p>
+            <a:pPr algn="r"/>
+            <a:endParaRPr lang="he-IL" dirty="0"/>
+          </a:p>
+          <a:p>
+            <a:pPr algn="r"/>
+            <a:r>
+              <a:rPr lang="he-IL" dirty="0"/>
+              <a:t>לחץ על רווח כדי להתחיל.</a:t>
+            </a:r>
+            <a:endParaRPr lang="en-US" dirty="0"/>
+          </a:p>
+        </p:txBody>
+      </p:sp>
+    </p:spTree>
+    <p:extLst>
+      <p:ext uri="{BB962C8B-B14F-4D97-AF65-F5344CB8AC3E}">
+        <p14:creationId xmlns:p14="http://schemas.microsoft.com/office/powerpoint/2010/main" val="1511905671"/>
+      </p:ext>
+    </p:extLst>
+  </p:cSld>
+  <p:clrMapOvr>
+    <a:masterClrMapping/>
+  </p:clrMapOvr>
+</p:sld>
+</file>
+
+<file path=ppt/slides/slide17.xml><?xml version="1.0" encoding="utf-8"?>
 <p:sld xmlns:a="http://schemas.openxmlformats.org/drawingml/2006/main" xmlns:r="http://schemas.openxmlformats.org/officeDocument/2006/relationships" xmlns:p="http://schemas.openxmlformats.org/presentationml/2006/main">
   <p:cSld>
     <p:spTree>

--- a/instructions/instructions_test.pptx
+++ b/instructions/instructions_test.pptx
@@ -22,6 +22,7 @@
     <p:sldId id="293" r:id="rId16"/>
     <p:sldId id="295" r:id="rId17"/>
     <p:sldId id="294" r:id="rId18"/>
+    <p:sldId id="296" r:id="rId19"/>
   </p:sldIdLst>
   <p:sldSz cx="12192000" cy="6858000"/>
   <p:notesSz cx="6858000" cy="9144000"/>
@@ -288,7 +289,7 @@
           <a:p>
             <a:fld id="{EECEF7B1-0EC4-480B-8296-E359CC2E77EE}" type="datetimeFigureOut">
               <a:rPr lang="he-IL" smtClean="0"/>
-              <a:t>כ"ד/טבת/תשפ"ב</a:t>
+              <a:t>כ"ה/טבת/תשפ"ב</a:t>
             </a:fld>
             <a:endParaRPr lang="he-IL"/>
           </a:p>
@@ -488,7 +489,7 @@
           <a:p>
             <a:fld id="{EECEF7B1-0EC4-480B-8296-E359CC2E77EE}" type="datetimeFigureOut">
               <a:rPr lang="he-IL" smtClean="0"/>
-              <a:t>כ"ד/טבת/תשפ"ב</a:t>
+              <a:t>כ"ה/טבת/תשפ"ב</a:t>
             </a:fld>
             <a:endParaRPr lang="he-IL"/>
           </a:p>
@@ -698,7 +699,7 @@
           <a:p>
             <a:fld id="{EECEF7B1-0EC4-480B-8296-E359CC2E77EE}" type="datetimeFigureOut">
               <a:rPr lang="he-IL" smtClean="0"/>
-              <a:t>כ"ד/טבת/תשפ"ב</a:t>
+              <a:t>כ"ה/טבת/תשפ"ב</a:t>
             </a:fld>
             <a:endParaRPr lang="he-IL"/>
           </a:p>
@@ -898,7 +899,7 @@
           <a:p>
             <a:fld id="{EECEF7B1-0EC4-480B-8296-E359CC2E77EE}" type="datetimeFigureOut">
               <a:rPr lang="he-IL" smtClean="0"/>
-              <a:t>כ"ד/טבת/תשפ"ב</a:t>
+              <a:t>כ"ה/טבת/תשפ"ב</a:t>
             </a:fld>
             <a:endParaRPr lang="he-IL"/>
           </a:p>
@@ -1174,7 +1175,7 @@
           <a:p>
             <a:fld id="{EECEF7B1-0EC4-480B-8296-E359CC2E77EE}" type="datetimeFigureOut">
               <a:rPr lang="he-IL" smtClean="0"/>
-              <a:t>כ"ד/טבת/תשפ"ב</a:t>
+              <a:t>כ"ה/טבת/תשפ"ב</a:t>
             </a:fld>
             <a:endParaRPr lang="he-IL"/>
           </a:p>
@@ -1442,7 +1443,7 @@
           <a:p>
             <a:fld id="{EECEF7B1-0EC4-480B-8296-E359CC2E77EE}" type="datetimeFigureOut">
               <a:rPr lang="he-IL" smtClean="0"/>
-              <a:t>כ"ד/טבת/תשפ"ב</a:t>
+              <a:t>כ"ה/טבת/תשפ"ב</a:t>
             </a:fld>
             <a:endParaRPr lang="he-IL"/>
           </a:p>
@@ -1857,7 +1858,7 @@
           <a:p>
             <a:fld id="{EECEF7B1-0EC4-480B-8296-E359CC2E77EE}" type="datetimeFigureOut">
               <a:rPr lang="he-IL" smtClean="0"/>
-              <a:t>כ"ד/טבת/תשפ"ב</a:t>
+              <a:t>כ"ה/טבת/תשפ"ב</a:t>
             </a:fld>
             <a:endParaRPr lang="he-IL"/>
           </a:p>
@@ -1999,7 +2000,7 @@
           <a:p>
             <a:fld id="{EECEF7B1-0EC4-480B-8296-E359CC2E77EE}" type="datetimeFigureOut">
               <a:rPr lang="he-IL" smtClean="0"/>
-              <a:t>כ"ד/טבת/תשפ"ב</a:t>
+              <a:t>כ"ה/טבת/תשפ"ב</a:t>
             </a:fld>
             <a:endParaRPr lang="he-IL"/>
           </a:p>
@@ -2112,7 +2113,7 @@
           <a:p>
             <a:fld id="{EECEF7B1-0EC4-480B-8296-E359CC2E77EE}" type="datetimeFigureOut">
               <a:rPr lang="he-IL" smtClean="0"/>
-              <a:t>כ"ד/טבת/תשפ"ב</a:t>
+              <a:t>כ"ה/טבת/תשפ"ב</a:t>
             </a:fld>
             <a:endParaRPr lang="he-IL"/>
           </a:p>
@@ -2425,7 +2426,7 @@
           <a:p>
             <a:fld id="{EECEF7B1-0EC4-480B-8296-E359CC2E77EE}" type="datetimeFigureOut">
               <a:rPr lang="he-IL" smtClean="0"/>
-              <a:t>כ"ד/טבת/תשפ"ב</a:t>
+              <a:t>כ"ה/טבת/תשפ"ב</a:t>
             </a:fld>
             <a:endParaRPr lang="he-IL"/>
           </a:p>
@@ -2714,7 +2715,7 @@
           <a:p>
             <a:fld id="{EECEF7B1-0EC4-480B-8296-E359CC2E77EE}" type="datetimeFigureOut">
               <a:rPr lang="he-IL" smtClean="0"/>
-              <a:t>כ"ד/טבת/תשפ"ב</a:t>
+              <a:t>כ"ה/טבת/תשפ"ב</a:t>
             </a:fld>
             <a:endParaRPr lang="he-IL"/>
           </a:p>
@@ -2957,7 +2958,7 @@
           <a:p>
             <a:fld id="{EECEF7B1-0EC4-480B-8296-E359CC2E77EE}" type="datetimeFigureOut">
               <a:rPr lang="he-IL" smtClean="0"/>
-              <a:t>כ"ד/טבת/תשפ"ב</a:t>
+              <a:t>כ"ה/טבת/תשפ"ב</a:t>
             </a:fld>
             <a:endParaRPr lang="he-IL"/>
           </a:p>
@@ -6003,6 +6004,83 @@
 </p:sld>
 </file>
 
+<file path=ppt/slides/slide18.xml><?xml version="1.0" encoding="utf-8"?>
+<p:sld xmlns:a="http://schemas.openxmlformats.org/drawingml/2006/main" xmlns:r="http://schemas.openxmlformats.org/officeDocument/2006/relationships" xmlns:p="http://schemas.openxmlformats.org/presentationml/2006/main">
+  <p:cSld>
+    <p:spTree>
+      <p:nvGrpSpPr>
+        <p:cNvPr id="1" name=""/>
+        <p:cNvGrpSpPr/>
+        <p:nvPr/>
+      </p:nvGrpSpPr>
+      <p:grpSpPr>
+        <a:xfrm>
+          <a:off x="0" y="0"/>
+          <a:ext cx="0" cy="0"/>
+          <a:chOff x="0" y="0"/>
+          <a:chExt cx="0" cy="0"/>
+        </a:xfrm>
+      </p:grpSpPr>
+      <p:sp>
+        <p:nvSpPr>
+          <p:cNvPr id="4" name="Rectangle 3">
+            <a:extLst>
+              <a:ext uri="{FF2B5EF4-FFF2-40B4-BE49-F238E27FC236}">
+                <a16:creationId xmlns:a16="http://schemas.microsoft.com/office/drawing/2014/main" id="{618D9E2E-2C9C-4DF9-A20D-25FBC9E1BE43}"/>
+              </a:ext>
+            </a:extLst>
+          </p:cNvPr>
+          <p:cNvSpPr/>
+          <p:nvPr/>
+        </p:nvSpPr>
+        <p:spPr>
+          <a:xfrm>
+            <a:off x="4194629" y="2505670"/>
+            <a:ext cx="3479125" cy="923330"/>
+          </a:xfrm>
+          <a:prstGeom prst="rect">
+            <a:avLst/>
+          </a:prstGeom>
+        </p:spPr>
+        <p:txBody>
+          <a:bodyPr wrap="square">
+            <a:spAutoFit/>
+          </a:bodyPr>
+          <a:lstStyle/>
+          <a:p>
+            <a:pPr algn="r"/>
+            <a:r>
+              <a:rPr lang="he-IL" dirty="0"/>
+              <a:t>הניסוי נגמר. תודה על ההשתתפות.</a:t>
+            </a:r>
+          </a:p>
+          <a:p>
+            <a:pPr algn="r"/>
+            <a:endParaRPr lang="he-IL" dirty="0"/>
+          </a:p>
+          <a:p>
+            <a:pPr algn="r"/>
+            <a:r>
+              <a:rPr lang="he-IL" dirty="0"/>
+              <a:t>נא לקרוא לנסיין.</a:t>
+            </a:r>
+            <a:endParaRPr lang="en-US" dirty="0"/>
+          </a:p>
+        </p:txBody>
+      </p:sp>
+    </p:spTree>
+    <p:extLst>
+      <p:ext uri="{BB962C8B-B14F-4D97-AF65-F5344CB8AC3E}">
+        <p14:creationId xmlns:p14="http://schemas.microsoft.com/office/powerpoint/2010/main" val="2665747215"/>
+      </p:ext>
+    </p:extLst>
+  </p:cSld>
+  <p:clrMapOvr>
+    <a:masterClrMapping/>
+  </p:clrMapOvr>
+</p:sld>
+</file>
+
 <file path=ppt/slides/slide2.xml><?xml version="1.0" encoding="utf-8"?>
 <p:sld xmlns:a="http://schemas.openxmlformats.org/drawingml/2006/main" xmlns:r="http://schemas.openxmlformats.org/officeDocument/2006/relationships" xmlns:p="http://schemas.openxmlformats.org/presentationml/2006/main">
   <p:cSld>
